--- a/Coursera.pptx
+++ b/Coursera.pptx
@@ -115,6 +115,11 @@
       </a:defRPr>
     </a:lvl9pPr>
   </p:defaultTextStyle>
+  <p:extLst>
+    <p:ext uri="{EFAFB233-063F-42B5-8137-9DF3F51BA10A}">
+      <p15:sldGuideLst xmlns:p15="http://schemas.microsoft.com/office/powerpoint/2012/main"/>
+    </p:ext>
+  </p:extLst>
 </p:presentation>
 </file>
 
@@ -4347,36 +4352,6 @@
           </a:prstGeom>
         </p:spPr>
       </p:pic>
-      <p:pic>
-        <p:nvPicPr>
-          <p:cNvPr id="5" name="Picture 4">
-            <a:extLst>
-              <a:ext uri="{FF2B5EF4-FFF2-40B4-BE49-F238E27FC236}">
-                <a16:creationId xmlns:a16="http://schemas.microsoft.com/office/drawing/2014/main" id="{88E6EED0-51CB-4DBD-B9DA-0FF0220C71FF}"/>
-              </a:ext>
-            </a:extLst>
-          </p:cNvPr>
-          <p:cNvPicPr>
-            <a:picLocks noChangeAspect="1"/>
-          </p:cNvPicPr>
-          <p:nvPr/>
-        </p:nvPicPr>
-        <p:blipFill>
-          <a:blip r:embed="rId3"/>
-          <a:stretch>
-            <a:fillRect/>
-          </a:stretch>
-        </p:blipFill>
-        <p:spPr>
-          <a:xfrm>
-            <a:off x="531632" y="3735036"/>
-            <a:ext cx="3048425" cy="2524477"/>
-          </a:xfrm>
-          <a:prstGeom prst="rect">
-            <a:avLst/>
-          </a:prstGeom>
-        </p:spPr>
-      </p:pic>
     </p:spTree>
     <p:extLst>
       <p:ext uri="{BB962C8B-B14F-4D97-AF65-F5344CB8AC3E}">
@@ -4465,25 +4440,13 @@
           <a:p>
             <a:r>
               <a:rPr lang="en-US" altLang="zh-HK" dirty="0"/>
-              <a:t>Most of the restaurants are in Scarborough with average rating &gt; 7.5.</a:t>
+              <a:t>More Chinese restaurants situated in Scarborough, but restaurants in North York have a higher average rating.</a:t>
             </a:r>
           </a:p>
           <a:p>
             <a:r>
               <a:rPr lang="en-US" altLang="zh-HK" dirty="0"/>
-              <a:t>Scarborough is the third largest borough in terms of neighborhood.</a:t>
-            </a:r>
-          </a:p>
-          <a:p>
-            <a:r>
-              <a:rPr lang="en-US" altLang="zh-HK" dirty="0"/>
-              <a:t>Bayview village is the neighborhood with the highest average rating of Chinese restaurants.</a:t>
-            </a:r>
-          </a:p>
-          <a:p>
-            <a:r>
-              <a:rPr lang="en-US" altLang="zh-HK" dirty="0"/>
-              <a:t>I would recommend people who enjoy Chinese food to visit Bayview village</a:t>
+              <a:t>Silver Hills/ York Mills is the neighborhood with the highest average rating of Chinese restaurants.</a:t>
             </a:r>
           </a:p>
           <a:p>
@@ -4579,9 +4542,8 @@
           <a:p>
             <a:r>
               <a:rPr lang="en-US" altLang="zh-HK" dirty="0"/>
-              <a:t>It is recommended to visit Bayview village for people who enjoy Chinese food.</a:t>
-            </a:r>
-            <a:endParaRPr lang="zh-HK" altLang="en-US" dirty="0"/>
+              <a:t>I would recommend people who enjoy Chinese food to visit North York</a:t>
+            </a:r>
           </a:p>
         </p:txBody>
       </p:sp>
@@ -4707,14 +4669,14 @@
           <a:lstStyle/>
           <a:p>
             <a:r>
-              <a:rPr lang="en-US" altLang="zh-HK" sz="4000">
+              <a:rPr lang="en-US" altLang="zh-HK" sz="4000" dirty="0">
                 <a:solidFill>
                   <a:srgbClr val="FFFFFF"/>
                 </a:solidFill>
               </a:rPr>
               <a:t>When East meets West…</a:t>
             </a:r>
-            <a:endParaRPr lang="zh-HK" altLang="en-US" sz="4000">
+            <a:endParaRPr lang="zh-HK" altLang="en-US" sz="4000" dirty="0">
               <a:solidFill>
                 <a:srgbClr val="FFFFFF"/>
               </a:solidFill>
